--- a/Offline/BusinessManagement/MarketingArtworks/A-3-Posters.pptx
+++ b/Offline/BusinessManagement/MarketingArtworks/A-3-Posters.pptx
@@ -246,7 +246,7 @@
           <a:p>
             <a:fld id="{50DAE02F-A7B1-4E85-A917-24263C02D340}" type="datetimeFigureOut">
               <a:rPr lang="en-US" smtClean="0"/>
-              <a:t>7/20/2023</a:t>
+              <a:t>7/21/2023</a:t>
             </a:fld>
             <a:endParaRPr lang="en-US"/>
           </a:p>
@@ -416,7 +416,7 @@
           <a:p>
             <a:fld id="{50DAE02F-A7B1-4E85-A917-24263C02D340}" type="datetimeFigureOut">
               <a:rPr lang="en-US" smtClean="0"/>
-              <a:t>7/20/2023</a:t>
+              <a:t>7/21/2023</a:t>
             </a:fld>
             <a:endParaRPr lang="en-US"/>
           </a:p>
@@ -596,7 +596,7 @@
           <a:p>
             <a:fld id="{50DAE02F-A7B1-4E85-A917-24263C02D340}" type="datetimeFigureOut">
               <a:rPr lang="en-US" smtClean="0"/>
-              <a:t>7/20/2023</a:t>
+              <a:t>7/21/2023</a:t>
             </a:fld>
             <a:endParaRPr lang="en-US"/>
           </a:p>
@@ -766,7 +766,7 @@
           <a:p>
             <a:fld id="{50DAE02F-A7B1-4E85-A917-24263C02D340}" type="datetimeFigureOut">
               <a:rPr lang="en-US" smtClean="0"/>
-              <a:t>7/20/2023</a:t>
+              <a:t>7/21/2023</a:t>
             </a:fld>
             <a:endParaRPr lang="en-US"/>
           </a:p>
@@ -1010,7 +1010,7 @@
           <a:p>
             <a:fld id="{50DAE02F-A7B1-4E85-A917-24263C02D340}" type="datetimeFigureOut">
               <a:rPr lang="en-US" smtClean="0"/>
-              <a:t>7/20/2023</a:t>
+              <a:t>7/21/2023</a:t>
             </a:fld>
             <a:endParaRPr lang="en-US"/>
           </a:p>
@@ -1242,7 +1242,7 @@
           <a:p>
             <a:fld id="{50DAE02F-A7B1-4E85-A917-24263C02D340}" type="datetimeFigureOut">
               <a:rPr lang="en-US" smtClean="0"/>
-              <a:t>7/20/2023</a:t>
+              <a:t>7/21/2023</a:t>
             </a:fld>
             <a:endParaRPr lang="en-US"/>
           </a:p>
@@ -1609,7 +1609,7 @@
           <a:p>
             <a:fld id="{50DAE02F-A7B1-4E85-A917-24263C02D340}" type="datetimeFigureOut">
               <a:rPr lang="en-US" smtClean="0"/>
-              <a:t>7/20/2023</a:t>
+              <a:t>7/21/2023</a:t>
             </a:fld>
             <a:endParaRPr lang="en-US"/>
           </a:p>
@@ -1727,7 +1727,7 @@
           <a:p>
             <a:fld id="{50DAE02F-A7B1-4E85-A917-24263C02D340}" type="datetimeFigureOut">
               <a:rPr lang="en-US" smtClean="0"/>
-              <a:t>7/20/2023</a:t>
+              <a:t>7/21/2023</a:t>
             </a:fld>
             <a:endParaRPr lang="en-US"/>
           </a:p>
@@ -1822,7 +1822,7 @@
           <a:p>
             <a:fld id="{50DAE02F-A7B1-4E85-A917-24263C02D340}" type="datetimeFigureOut">
               <a:rPr lang="en-US" smtClean="0"/>
-              <a:t>7/20/2023</a:t>
+              <a:t>7/21/2023</a:t>
             </a:fld>
             <a:endParaRPr lang="en-US"/>
           </a:p>
@@ -2099,7 +2099,7 @@
           <a:p>
             <a:fld id="{50DAE02F-A7B1-4E85-A917-24263C02D340}" type="datetimeFigureOut">
               <a:rPr lang="en-US" smtClean="0"/>
-              <a:t>7/20/2023</a:t>
+              <a:t>7/21/2023</a:t>
             </a:fld>
             <a:endParaRPr lang="en-US"/>
           </a:p>
@@ -2356,7 +2356,7 @@
           <a:p>
             <a:fld id="{50DAE02F-A7B1-4E85-A917-24263C02D340}" type="datetimeFigureOut">
               <a:rPr lang="en-US" smtClean="0"/>
-              <a:t>7/20/2023</a:t>
+              <a:t>7/21/2023</a:t>
             </a:fld>
             <a:endParaRPr lang="en-US"/>
           </a:p>
@@ -2569,7 +2569,7 @@
           <a:p>
             <a:fld id="{50DAE02F-A7B1-4E85-A917-24263C02D340}" type="datetimeFigureOut">
               <a:rPr lang="en-US" smtClean="0"/>
-              <a:t>7/20/2023</a:t>
+              <a:t>7/21/2023</a:t>
             </a:fld>
             <a:endParaRPr lang="en-US"/>
           </a:p>
@@ -2979,7 +2979,7 @@
           <p:cNvPr id="9" name="Rectangle 8">
             <a:extLst>
               <a:ext uri="{FF2B5EF4-FFF2-40B4-BE49-F238E27FC236}">
-                <a16:creationId xmlns:a16="http://schemas.microsoft.com/office/drawing/2014/main" id="{49F477DB-3D21-9DDF-0C2E-DA3FED5921D1}"/>
+                <a16:creationId xmlns:a16="http://schemas.microsoft.com/office/drawing/2014/main" xmlns="" id="{49F477DB-3D21-9DDF-0C2E-DA3FED5921D1}"/>
               </a:ext>
             </a:extLst>
           </p:cNvPr>
@@ -3034,7 +3034,7 @@
           <p:cNvPr id="7" name="Freeform: Shape 6">
             <a:extLst>
               <a:ext uri="{FF2B5EF4-FFF2-40B4-BE49-F238E27FC236}">
-                <a16:creationId xmlns:a16="http://schemas.microsoft.com/office/drawing/2014/main" id="{453E5CA9-81C3-3F7A-AC49-E61E32A6A5B9}"/>
+                <a16:creationId xmlns:a16="http://schemas.microsoft.com/office/drawing/2014/main" xmlns="" id="{453E5CA9-81C3-3F7A-AC49-E61E32A6A5B9}"/>
               </a:ext>
             </a:extLst>
           </p:cNvPr>
@@ -4861,7 +4861,7 @@
           <p:cNvPr id="4" name="TextBox 3">
             <a:extLst>
               <a:ext uri="{FF2B5EF4-FFF2-40B4-BE49-F238E27FC236}">
-                <a16:creationId xmlns:a16="http://schemas.microsoft.com/office/drawing/2014/main" id="{5831EE6E-86AF-A85D-14D6-CC8A70DA39A8}"/>
+                <a16:creationId xmlns:a16="http://schemas.microsoft.com/office/drawing/2014/main" xmlns="" id="{5831EE6E-86AF-A85D-14D6-CC8A70DA39A8}"/>
               </a:ext>
             </a:extLst>
           </p:cNvPr>
@@ -4962,7 +4962,7 @@
           <p:cNvPr id="5" name="Rectangle 4">
             <a:extLst>
               <a:ext uri="{FF2B5EF4-FFF2-40B4-BE49-F238E27FC236}">
-                <a16:creationId xmlns:a16="http://schemas.microsoft.com/office/drawing/2014/main" id="{DFAA5ADE-4557-12CF-A057-98467B4E08FE}"/>
+                <a16:creationId xmlns:a16="http://schemas.microsoft.com/office/drawing/2014/main" xmlns="" id="{DFAA5ADE-4557-12CF-A057-98467B4E08FE}"/>
               </a:ext>
             </a:extLst>
           </p:cNvPr>
@@ -5021,7 +5021,7 @@
           <p:cNvPr id="8" name="TextBox 7">
             <a:extLst>
               <a:ext uri="{FF2B5EF4-FFF2-40B4-BE49-F238E27FC236}">
-                <a16:creationId xmlns:a16="http://schemas.microsoft.com/office/drawing/2014/main" id="{7FD714B1-0E33-6475-70B3-93ED38AC2A92}"/>
+                <a16:creationId xmlns:a16="http://schemas.microsoft.com/office/drawing/2014/main" xmlns="" id="{7FD714B1-0E33-6475-70B3-93ED38AC2A92}"/>
               </a:ext>
             </a:extLst>
           </p:cNvPr>
@@ -5098,7 +5098,7 @@
           <p:cNvPr id="18" name="Picture 17">
             <a:extLst>
               <a:ext uri="{FF2B5EF4-FFF2-40B4-BE49-F238E27FC236}">
-                <a16:creationId xmlns:a16="http://schemas.microsoft.com/office/drawing/2014/main" id="{00CC0C07-1C28-AE30-9C78-12D51F05B835}"/>
+                <a16:creationId xmlns:a16="http://schemas.microsoft.com/office/drawing/2014/main" xmlns="" id="{00CC0C07-1C28-AE30-9C78-12D51F05B835}"/>
               </a:ext>
             </a:extLst>
           </p:cNvPr>
@@ -5108,7 +5108,7 @@
           <p:nvPr/>
         </p:nvPicPr>
         <p:blipFill>
-          <a:blip r:embed="rId2">
+          <a:blip r:embed="rId2" cstate="print">
             <a:extLst>
               <a:ext uri="{28A0092B-C50C-407E-A947-70E740481C1C}">
                 <a14:useLocalDpi xmlns:a14="http://schemas.microsoft.com/office/drawing/2010/main" val="0"/>
@@ -5134,7 +5134,7 @@
           <p:cNvPr id="3" name="Freeform: Shape 2">
             <a:extLst>
               <a:ext uri="{FF2B5EF4-FFF2-40B4-BE49-F238E27FC236}">
-                <a16:creationId xmlns:a16="http://schemas.microsoft.com/office/drawing/2014/main" id="{39672D24-39BC-837D-A5AB-B038FE04F76B}"/>
+                <a16:creationId xmlns:a16="http://schemas.microsoft.com/office/drawing/2014/main" xmlns="" id="{39672D24-39BC-837D-A5AB-B038FE04F76B}"/>
               </a:ext>
             </a:extLst>
           </p:cNvPr>
@@ -5551,7 +5551,7 @@
           <p:cNvPr id="6" name="TextBox 5">
             <a:extLst>
               <a:ext uri="{FF2B5EF4-FFF2-40B4-BE49-F238E27FC236}">
-                <a16:creationId xmlns:a16="http://schemas.microsoft.com/office/drawing/2014/main" id="{ABF84F31-585A-7288-07ED-D2F7C06E7336}"/>
+                <a16:creationId xmlns:a16="http://schemas.microsoft.com/office/drawing/2014/main" xmlns="" id="{ABF84F31-585A-7288-07ED-D2F7C06E7336}"/>
               </a:ext>
             </a:extLst>
           </p:cNvPr>
@@ -5625,7 +5625,7 @@
           <p:cNvPr id="10" name="Freeform: Shape 9">
             <a:extLst>
               <a:ext uri="{FF2B5EF4-FFF2-40B4-BE49-F238E27FC236}">
-                <a16:creationId xmlns:a16="http://schemas.microsoft.com/office/drawing/2014/main" id="{04C7246C-1E51-DEF7-9CBC-6503338149DF}"/>
+                <a16:creationId xmlns:a16="http://schemas.microsoft.com/office/drawing/2014/main" xmlns="" id="{04C7246C-1E51-DEF7-9CBC-6503338149DF}"/>
               </a:ext>
             </a:extLst>
           </p:cNvPr>
@@ -6000,7 +6000,7 @@
           <p:cNvPr id="11" name="Freeform: Shape 10">
             <a:extLst>
               <a:ext uri="{FF2B5EF4-FFF2-40B4-BE49-F238E27FC236}">
-                <a16:creationId xmlns:a16="http://schemas.microsoft.com/office/drawing/2014/main" id="{6C1EE113-6A41-02B1-496E-84A7B3579DA3}"/>
+                <a16:creationId xmlns:a16="http://schemas.microsoft.com/office/drawing/2014/main" xmlns="" id="{6C1EE113-6A41-02B1-496E-84A7B3579DA3}"/>
               </a:ext>
             </a:extLst>
           </p:cNvPr>
@@ -6321,7 +6321,7 @@
           <p:cNvPr id="13" name="32-Point Star 20">
             <a:extLst>
               <a:ext uri="{FF2B5EF4-FFF2-40B4-BE49-F238E27FC236}">
-                <a16:creationId xmlns:a16="http://schemas.microsoft.com/office/drawing/2014/main" id="{D29A3F32-D553-6695-8B0B-D9664E0CBECB}"/>
+                <a16:creationId xmlns:a16="http://schemas.microsoft.com/office/drawing/2014/main" xmlns="" id="{D29A3F32-D553-6695-8B0B-D9664E0CBECB}"/>
               </a:ext>
             </a:extLst>
           </p:cNvPr>
@@ -6399,7 +6399,7 @@
           <p:cNvPr id="14" name="Picture 13">
             <a:extLst>
               <a:ext uri="{FF2B5EF4-FFF2-40B4-BE49-F238E27FC236}">
-                <a16:creationId xmlns:a16="http://schemas.microsoft.com/office/drawing/2014/main" id="{129E5212-8BDC-5B72-20DF-0225A9709711}"/>
+                <a16:creationId xmlns:a16="http://schemas.microsoft.com/office/drawing/2014/main" xmlns="" id="{129E5212-8BDC-5B72-20DF-0225A9709711}"/>
               </a:ext>
             </a:extLst>
           </p:cNvPr>
@@ -6429,7 +6429,7 @@
           <p:cNvPr id="15" name="TextBox 14">
             <a:extLst>
               <a:ext uri="{FF2B5EF4-FFF2-40B4-BE49-F238E27FC236}">
-                <a16:creationId xmlns:a16="http://schemas.microsoft.com/office/drawing/2014/main" id="{1ADDB6E4-1C35-D81F-3EF1-0BD1B12D2C36}"/>
+                <a16:creationId xmlns:a16="http://schemas.microsoft.com/office/drawing/2014/main" xmlns="" id="{1ADDB6E4-1C35-D81F-3EF1-0BD1B12D2C36}"/>
               </a:ext>
             </a:extLst>
           </p:cNvPr>
@@ -6528,7 +6528,7 @@
           <p:cNvPr id="16" name="TextBox 15">
             <a:extLst>
               <a:ext uri="{FF2B5EF4-FFF2-40B4-BE49-F238E27FC236}">
-                <a16:creationId xmlns:a16="http://schemas.microsoft.com/office/drawing/2014/main" id="{EFC1CA09-802A-4B3F-6C50-2EB62CA69C1D}"/>
+                <a16:creationId xmlns:a16="http://schemas.microsoft.com/office/drawing/2014/main" xmlns="" id="{EFC1CA09-802A-4B3F-6C50-2EB62CA69C1D}"/>
               </a:ext>
             </a:extLst>
           </p:cNvPr>
@@ -6599,7 +6599,7 @@
           <p:cNvPr id="9" name="Rectangle 8">
             <a:extLst>
               <a:ext uri="{FF2B5EF4-FFF2-40B4-BE49-F238E27FC236}">
-                <a16:creationId xmlns:a16="http://schemas.microsoft.com/office/drawing/2014/main" id="{49F477DB-3D21-9DDF-0C2E-DA3FED5921D1}"/>
+                <a16:creationId xmlns:a16="http://schemas.microsoft.com/office/drawing/2014/main" xmlns="" id="{49F477DB-3D21-9DDF-0C2E-DA3FED5921D1}"/>
               </a:ext>
             </a:extLst>
           </p:cNvPr>
@@ -6654,7 +6654,7 @@
           <p:cNvPr id="57" name="Freeform: Shape 56">
             <a:extLst>
               <a:ext uri="{FF2B5EF4-FFF2-40B4-BE49-F238E27FC236}">
-                <a16:creationId xmlns:a16="http://schemas.microsoft.com/office/drawing/2014/main" id="{547FE7AD-DE45-3C57-DC24-116D704A159A}"/>
+                <a16:creationId xmlns:a16="http://schemas.microsoft.com/office/drawing/2014/main" xmlns="" id="{547FE7AD-DE45-3C57-DC24-116D704A159A}"/>
               </a:ext>
             </a:extLst>
           </p:cNvPr>
@@ -7071,7 +7071,7 @@
           <p:cNvPr id="31" name="Freeform: Shape 30">
             <a:extLst>
               <a:ext uri="{FF2B5EF4-FFF2-40B4-BE49-F238E27FC236}">
-                <a16:creationId xmlns:a16="http://schemas.microsoft.com/office/drawing/2014/main" id="{8E9B1964-E9A4-28EA-F5F8-6F4E01634613}"/>
+                <a16:creationId xmlns:a16="http://schemas.microsoft.com/office/drawing/2014/main" xmlns="" id="{8E9B1964-E9A4-28EA-F5F8-6F4E01634613}"/>
               </a:ext>
             </a:extLst>
           </p:cNvPr>
@@ -7392,7 +7392,7 @@
           <p:cNvPr id="11" name="Freeform: Shape 10">
             <a:extLst>
               <a:ext uri="{FF2B5EF4-FFF2-40B4-BE49-F238E27FC236}">
-                <a16:creationId xmlns:a16="http://schemas.microsoft.com/office/drawing/2014/main" id="{5DC07547-42F0-56C8-1407-A083C26EA0AB}"/>
+                <a16:creationId xmlns:a16="http://schemas.microsoft.com/office/drawing/2014/main" xmlns="" id="{5DC07547-42F0-56C8-1407-A083C26EA0AB}"/>
               </a:ext>
             </a:extLst>
           </p:cNvPr>
@@ -9193,7 +9193,7 @@
           <p:cNvPr id="12" name="32-Point Star 20">
             <a:extLst>
               <a:ext uri="{FF2B5EF4-FFF2-40B4-BE49-F238E27FC236}">
-                <a16:creationId xmlns:a16="http://schemas.microsoft.com/office/drawing/2014/main" id="{19584B78-8E6E-DD92-A21F-B8D7B299BD60}"/>
+                <a16:creationId xmlns:a16="http://schemas.microsoft.com/office/drawing/2014/main" xmlns="" id="{19584B78-8E6E-DD92-A21F-B8D7B299BD60}"/>
               </a:ext>
             </a:extLst>
           </p:cNvPr>
@@ -9271,7 +9271,7 @@
           <p:cNvPr id="19" name="Picture 18">
             <a:extLst>
               <a:ext uri="{FF2B5EF4-FFF2-40B4-BE49-F238E27FC236}">
-                <a16:creationId xmlns:a16="http://schemas.microsoft.com/office/drawing/2014/main" id="{D5DB0577-C9C4-2A32-3E9B-20D9E3445A14}"/>
+                <a16:creationId xmlns:a16="http://schemas.microsoft.com/office/drawing/2014/main" xmlns="" id="{D5DB0577-C9C4-2A32-3E9B-20D9E3445A14}"/>
               </a:ext>
             </a:extLst>
           </p:cNvPr>
@@ -9301,7 +9301,7 @@
           <p:cNvPr id="20" name="TextBox 19">
             <a:extLst>
               <a:ext uri="{FF2B5EF4-FFF2-40B4-BE49-F238E27FC236}">
-                <a16:creationId xmlns:a16="http://schemas.microsoft.com/office/drawing/2014/main" id="{0C84C10C-6BC6-E92C-8E45-17055AA2DB8A}"/>
+                <a16:creationId xmlns:a16="http://schemas.microsoft.com/office/drawing/2014/main" xmlns="" id="{0C84C10C-6BC6-E92C-8E45-17055AA2DB8A}"/>
               </a:ext>
             </a:extLst>
           </p:cNvPr>
@@ -9385,7 +9385,7 @@
           <p:cNvPr id="36" name="TextBox 35">
             <a:extLst>
               <a:ext uri="{FF2B5EF4-FFF2-40B4-BE49-F238E27FC236}">
-                <a16:creationId xmlns:a16="http://schemas.microsoft.com/office/drawing/2014/main" id="{1FABB28F-CA55-B5AE-5B0A-9D296C27202B}"/>
+                <a16:creationId xmlns:a16="http://schemas.microsoft.com/office/drawing/2014/main" xmlns="" id="{1FABB28F-CA55-B5AE-5B0A-9D296C27202B}"/>
               </a:ext>
             </a:extLst>
           </p:cNvPr>
@@ -9459,7 +9459,7 @@
           <p:cNvPr id="58" name="Freeform: Shape 57">
             <a:extLst>
               <a:ext uri="{FF2B5EF4-FFF2-40B4-BE49-F238E27FC236}">
-                <a16:creationId xmlns:a16="http://schemas.microsoft.com/office/drawing/2014/main" id="{DC5ECA63-BEC1-0CCA-68C0-6F2CFA2D8EEF}"/>
+                <a16:creationId xmlns:a16="http://schemas.microsoft.com/office/drawing/2014/main" xmlns="" id="{DC5ECA63-BEC1-0CCA-68C0-6F2CFA2D8EEF}"/>
               </a:ext>
             </a:extLst>
           </p:cNvPr>
@@ -9834,7 +9834,7 @@
           <p:cNvPr id="2" name="TextBox 1">
             <a:extLst>
               <a:ext uri="{FF2B5EF4-FFF2-40B4-BE49-F238E27FC236}">
-                <a16:creationId xmlns:a16="http://schemas.microsoft.com/office/drawing/2014/main" id="{60AD551F-81D6-CD6C-EFBB-0C9F794B713A}"/>
+                <a16:creationId xmlns:a16="http://schemas.microsoft.com/office/drawing/2014/main" xmlns="" id="{60AD551F-81D6-CD6C-EFBB-0C9F794B713A}"/>
               </a:ext>
             </a:extLst>
           </p:cNvPr>
@@ -9875,7 +9875,7 @@
           <p:cNvPr id="4" name="TextBox 3">
             <a:extLst>
               <a:ext uri="{FF2B5EF4-FFF2-40B4-BE49-F238E27FC236}">
-                <a16:creationId xmlns:a16="http://schemas.microsoft.com/office/drawing/2014/main" id="{5831EE6E-86AF-A85D-14D6-CC8A70DA39A8}"/>
+                <a16:creationId xmlns:a16="http://schemas.microsoft.com/office/drawing/2014/main" xmlns="" id="{5831EE6E-86AF-A85D-14D6-CC8A70DA39A8}"/>
               </a:ext>
             </a:extLst>
           </p:cNvPr>
@@ -9982,7 +9982,7 @@
           <p:cNvPr id="5" name="Rectangle 4">
             <a:extLst>
               <a:ext uri="{FF2B5EF4-FFF2-40B4-BE49-F238E27FC236}">
-                <a16:creationId xmlns:a16="http://schemas.microsoft.com/office/drawing/2014/main" id="{DFAA5ADE-4557-12CF-A057-98467B4E08FE}"/>
+                <a16:creationId xmlns:a16="http://schemas.microsoft.com/office/drawing/2014/main" xmlns="" id="{DFAA5ADE-4557-12CF-A057-98467B4E08FE}"/>
               </a:ext>
             </a:extLst>
           </p:cNvPr>
@@ -10041,7 +10041,7 @@
           <p:cNvPr id="8" name="TextBox 7">
             <a:extLst>
               <a:ext uri="{FF2B5EF4-FFF2-40B4-BE49-F238E27FC236}">
-                <a16:creationId xmlns:a16="http://schemas.microsoft.com/office/drawing/2014/main" id="{7FD714B1-0E33-6475-70B3-93ED38AC2A92}"/>
+                <a16:creationId xmlns:a16="http://schemas.microsoft.com/office/drawing/2014/main" xmlns="" id="{7FD714B1-0E33-6475-70B3-93ED38AC2A92}"/>
               </a:ext>
             </a:extLst>
           </p:cNvPr>
@@ -10094,7 +10094,7 @@
           <p:cNvPr id="18" name="Picture 17">
             <a:extLst>
               <a:ext uri="{FF2B5EF4-FFF2-40B4-BE49-F238E27FC236}">
-                <a16:creationId xmlns:a16="http://schemas.microsoft.com/office/drawing/2014/main" id="{00CC0C07-1C28-AE30-9C78-12D51F05B835}"/>
+                <a16:creationId xmlns:a16="http://schemas.microsoft.com/office/drawing/2014/main" xmlns="" id="{00CC0C07-1C28-AE30-9C78-12D51F05B835}"/>
               </a:ext>
             </a:extLst>
           </p:cNvPr>
@@ -10104,7 +10104,7 @@
           <p:nvPr/>
         </p:nvPicPr>
         <p:blipFill>
-          <a:blip r:embed="rId3">
+          <a:blip r:embed="rId3" cstate="print">
             <a:extLst>
               <a:ext uri="{28A0092B-C50C-407E-A947-70E740481C1C}">
                 <a14:useLocalDpi xmlns:a14="http://schemas.microsoft.com/office/drawing/2010/main" val="0"/>
@@ -10160,7 +10160,7 @@
           <p:cNvPr id="9" name="Rectangle 8">
             <a:extLst>
               <a:ext uri="{FF2B5EF4-FFF2-40B4-BE49-F238E27FC236}">
-                <a16:creationId xmlns:a16="http://schemas.microsoft.com/office/drawing/2014/main" id="{49F477DB-3D21-9DDF-0C2E-DA3FED5921D1}"/>
+                <a16:creationId xmlns:a16="http://schemas.microsoft.com/office/drawing/2014/main" xmlns="" id="{49F477DB-3D21-9DDF-0C2E-DA3FED5921D1}"/>
               </a:ext>
             </a:extLst>
           </p:cNvPr>
@@ -10215,7 +10215,7 @@
           <p:cNvPr id="57" name="Freeform: Shape 56">
             <a:extLst>
               <a:ext uri="{FF2B5EF4-FFF2-40B4-BE49-F238E27FC236}">
-                <a16:creationId xmlns:a16="http://schemas.microsoft.com/office/drawing/2014/main" id="{547FE7AD-DE45-3C57-DC24-116D704A159A}"/>
+                <a16:creationId xmlns:a16="http://schemas.microsoft.com/office/drawing/2014/main" xmlns="" id="{547FE7AD-DE45-3C57-DC24-116D704A159A}"/>
               </a:ext>
             </a:extLst>
           </p:cNvPr>
@@ -10632,7 +10632,7 @@
           <p:cNvPr id="31" name="Freeform: Shape 30">
             <a:extLst>
               <a:ext uri="{FF2B5EF4-FFF2-40B4-BE49-F238E27FC236}">
-                <a16:creationId xmlns:a16="http://schemas.microsoft.com/office/drawing/2014/main" id="{8E9B1964-E9A4-28EA-F5F8-6F4E01634613}"/>
+                <a16:creationId xmlns:a16="http://schemas.microsoft.com/office/drawing/2014/main" xmlns="" id="{8E9B1964-E9A4-28EA-F5F8-6F4E01634613}"/>
               </a:ext>
             </a:extLst>
           </p:cNvPr>
@@ -10953,7 +10953,7 @@
           <p:cNvPr id="7" name="Freeform: Shape 6">
             <a:extLst>
               <a:ext uri="{FF2B5EF4-FFF2-40B4-BE49-F238E27FC236}">
-                <a16:creationId xmlns:a16="http://schemas.microsoft.com/office/drawing/2014/main" id="{453E5CA9-81C3-3F7A-AC49-E61E32A6A5B9}"/>
+                <a16:creationId xmlns:a16="http://schemas.microsoft.com/office/drawing/2014/main" xmlns="" id="{453E5CA9-81C3-3F7A-AC49-E61E32A6A5B9}"/>
               </a:ext>
             </a:extLst>
           </p:cNvPr>
@@ -12780,7 +12780,7 @@
           <p:cNvPr id="12" name="32-Point Star 20">
             <a:extLst>
               <a:ext uri="{FF2B5EF4-FFF2-40B4-BE49-F238E27FC236}">
-                <a16:creationId xmlns:a16="http://schemas.microsoft.com/office/drawing/2014/main" id="{19584B78-8E6E-DD92-A21F-B8D7B299BD60}"/>
+                <a16:creationId xmlns:a16="http://schemas.microsoft.com/office/drawing/2014/main" xmlns="" id="{19584B78-8E6E-DD92-A21F-B8D7B299BD60}"/>
               </a:ext>
             </a:extLst>
           </p:cNvPr>
@@ -12858,7 +12858,7 @@
           <p:cNvPr id="19" name="Picture 18">
             <a:extLst>
               <a:ext uri="{FF2B5EF4-FFF2-40B4-BE49-F238E27FC236}">
-                <a16:creationId xmlns:a16="http://schemas.microsoft.com/office/drawing/2014/main" id="{D5DB0577-C9C4-2A32-3E9B-20D9E3445A14}"/>
+                <a16:creationId xmlns:a16="http://schemas.microsoft.com/office/drawing/2014/main" xmlns="" id="{D5DB0577-C9C4-2A32-3E9B-20D9E3445A14}"/>
               </a:ext>
             </a:extLst>
           </p:cNvPr>
@@ -12888,7 +12888,7 @@
           <p:cNvPr id="20" name="TextBox 19">
             <a:extLst>
               <a:ext uri="{FF2B5EF4-FFF2-40B4-BE49-F238E27FC236}">
-                <a16:creationId xmlns:a16="http://schemas.microsoft.com/office/drawing/2014/main" id="{0C84C10C-6BC6-E92C-8E45-17055AA2DB8A}"/>
+                <a16:creationId xmlns:a16="http://schemas.microsoft.com/office/drawing/2014/main" xmlns="" id="{0C84C10C-6BC6-E92C-8E45-17055AA2DB8A}"/>
               </a:ext>
             </a:extLst>
           </p:cNvPr>
@@ -12987,7 +12987,7 @@
           <p:cNvPr id="36" name="TextBox 35">
             <a:extLst>
               <a:ext uri="{FF2B5EF4-FFF2-40B4-BE49-F238E27FC236}">
-                <a16:creationId xmlns:a16="http://schemas.microsoft.com/office/drawing/2014/main" id="{1FABB28F-CA55-B5AE-5B0A-9D296C27202B}"/>
+                <a16:creationId xmlns:a16="http://schemas.microsoft.com/office/drawing/2014/main" xmlns="" id="{1FABB28F-CA55-B5AE-5B0A-9D296C27202B}"/>
               </a:ext>
             </a:extLst>
           </p:cNvPr>
@@ -13061,7 +13061,7 @@
           <p:cNvPr id="58" name="Freeform: Shape 57">
             <a:extLst>
               <a:ext uri="{FF2B5EF4-FFF2-40B4-BE49-F238E27FC236}">
-                <a16:creationId xmlns:a16="http://schemas.microsoft.com/office/drawing/2014/main" id="{DC5ECA63-BEC1-0CCA-68C0-6F2CFA2D8EEF}"/>
+                <a16:creationId xmlns:a16="http://schemas.microsoft.com/office/drawing/2014/main" xmlns="" id="{DC5ECA63-BEC1-0CCA-68C0-6F2CFA2D8EEF}"/>
               </a:ext>
             </a:extLst>
           </p:cNvPr>
@@ -13436,7 +13436,7 @@
           <p:cNvPr id="2" name="TextBox 1">
             <a:extLst>
               <a:ext uri="{FF2B5EF4-FFF2-40B4-BE49-F238E27FC236}">
-                <a16:creationId xmlns:a16="http://schemas.microsoft.com/office/drawing/2014/main" id="{60AD551F-81D6-CD6C-EFBB-0C9F794B713A}"/>
+                <a16:creationId xmlns:a16="http://schemas.microsoft.com/office/drawing/2014/main" xmlns="" id="{60AD551F-81D6-CD6C-EFBB-0C9F794B713A}"/>
               </a:ext>
             </a:extLst>
           </p:cNvPr>
@@ -13477,7 +13477,7 @@
           <p:cNvPr id="4" name="TextBox 3">
             <a:extLst>
               <a:ext uri="{FF2B5EF4-FFF2-40B4-BE49-F238E27FC236}">
-                <a16:creationId xmlns:a16="http://schemas.microsoft.com/office/drawing/2014/main" id="{5831EE6E-86AF-A85D-14D6-CC8A70DA39A8}"/>
+                <a16:creationId xmlns:a16="http://schemas.microsoft.com/office/drawing/2014/main" xmlns="" id="{5831EE6E-86AF-A85D-14D6-CC8A70DA39A8}"/>
               </a:ext>
             </a:extLst>
           </p:cNvPr>
@@ -13546,7 +13546,7 @@
           <p:cNvPr id="5" name="Rectangle 4">
             <a:extLst>
               <a:ext uri="{FF2B5EF4-FFF2-40B4-BE49-F238E27FC236}">
-                <a16:creationId xmlns:a16="http://schemas.microsoft.com/office/drawing/2014/main" id="{DFAA5ADE-4557-12CF-A057-98467B4E08FE}"/>
+                <a16:creationId xmlns:a16="http://schemas.microsoft.com/office/drawing/2014/main" xmlns="" id="{DFAA5ADE-4557-12CF-A057-98467B4E08FE}"/>
               </a:ext>
             </a:extLst>
           </p:cNvPr>
@@ -13605,7 +13605,7 @@
           <p:cNvPr id="8" name="TextBox 7">
             <a:extLst>
               <a:ext uri="{FF2B5EF4-FFF2-40B4-BE49-F238E27FC236}">
-                <a16:creationId xmlns:a16="http://schemas.microsoft.com/office/drawing/2014/main" id="{7FD714B1-0E33-6475-70B3-93ED38AC2A92}"/>
+                <a16:creationId xmlns:a16="http://schemas.microsoft.com/office/drawing/2014/main" xmlns="" id="{7FD714B1-0E33-6475-70B3-93ED38AC2A92}"/>
               </a:ext>
             </a:extLst>
           </p:cNvPr>
@@ -13682,7 +13682,7 @@
           <p:cNvPr id="18" name="Picture 17">
             <a:extLst>
               <a:ext uri="{FF2B5EF4-FFF2-40B4-BE49-F238E27FC236}">
-                <a16:creationId xmlns:a16="http://schemas.microsoft.com/office/drawing/2014/main" id="{00CC0C07-1C28-AE30-9C78-12D51F05B835}"/>
+                <a16:creationId xmlns:a16="http://schemas.microsoft.com/office/drawing/2014/main" xmlns="" id="{00CC0C07-1C28-AE30-9C78-12D51F05B835}"/>
               </a:ext>
             </a:extLst>
           </p:cNvPr>
@@ -13692,7 +13692,7 @@
           <p:nvPr/>
         </p:nvPicPr>
         <p:blipFill>
-          <a:blip r:embed="rId3">
+          <a:blip r:embed="rId3" cstate="print">
             <a:extLst>
               <a:ext uri="{28A0092B-C50C-407E-A947-70E740481C1C}">
                 <a14:useLocalDpi xmlns:a14="http://schemas.microsoft.com/office/drawing/2010/main" val="0"/>
@@ -13748,7 +13748,7 @@
           <p:cNvPr id="9" name="Rectangle 8">
             <a:extLst>
               <a:ext uri="{FF2B5EF4-FFF2-40B4-BE49-F238E27FC236}">
-                <a16:creationId xmlns:a16="http://schemas.microsoft.com/office/drawing/2014/main" id="{49F477DB-3D21-9DDF-0C2E-DA3FED5921D1}"/>
+                <a16:creationId xmlns:a16="http://schemas.microsoft.com/office/drawing/2014/main" xmlns="" id="{49F477DB-3D21-9DDF-0C2E-DA3FED5921D1}"/>
               </a:ext>
             </a:extLst>
           </p:cNvPr>
@@ -13803,7 +13803,7 @@
           <p:cNvPr id="7" name="Freeform: Shape 6">
             <a:extLst>
               <a:ext uri="{FF2B5EF4-FFF2-40B4-BE49-F238E27FC236}">
-                <a16:creationId xmlns:a16="http://schemas.microsoft.com/office/drawing/2014/main" id="{453E5CA9-81C3-3F7A-AC49-E61E32A6A5B9}"/>
+                <a16:creationId xmlns:a16="http://schemas.microsoft.com/office/drawing/2014/main" xmlns="" id="{453E5CA9-81C3-3F7A-AC49-E61E32A6A5B9}"/>
               </a:ext>
             </a:extLst>
           </p:cNvPr>
@@ -15630,7 +15630,7 @@
           <p:cNvPr id="4" name="TextBox 3">
             <a:extLst>
               <a:ext uri="{FF2B5EF4-FFF2-40B4-BE49-F238E27FC236}">
-                <a16:creationId xmlns:a16="http://schemas.microsoft.com/office/drawing/2014/main" id="{5831EE6E-86AF-A85D-14D6-CC8A70DA39A8}"/>
+                <a16:creationId xmlns:a16="http://schemas.microsoft.com/office/drawing/2014/main" xmlns="" id="{5831EE6E-86AF-A85D-14D6-CC8A70DA39A8}"/>
               </a:ext>
             </a:extLst>
           </p:cNvPr>
@@ -15695,7 +15695,7 @@
           <p:cNvPr id="5" name="Rectangle 4">
             <a:extLst>
               <a:ext uri="{FF2B5EF4-FFF2-40B4-BE49-F238E27FC236}">
-                <a16:creationId xmlns:a16="http://schemas.microsoft.com/office/drawing/2014/main" id="{DFAA5ADE-4557-12CF-A057-98467B4E08FE}"/>
+                <a16:creationId xmlns:a16="http://schemas.microsoft.com/office/drawing/2014/main" xmlns="" id="{DFAA5ADE-4557-12CF-A057-98467B4E08FE}"/>
               </a:ext>
             </a:extLst>
           </p:cNvPr>
@@ -15754,7 +15754,7 @@
           <p:cNvPr id="8" name="TextBox 7">
             <a:extLst>
               <a:ext uri="{FF2B5EF4-FFF2-40B4-BE49-F238E27FC236}">
-                <a16:creationId xmlns:a16="http://schemas.microsoft.com/office/drawing/2014/main" id="{7FD714B1-0E33-6475-70B3-93ED38AC2A92}"/>
+                <a16:creationId xmlns:a16="http://schemas.microsoft.com/office/drawing/2014/main" xmlns="" id="{7FD714B1-0E33-6475-70B3-93ED38AC2A92}"/>
               </a:ext>
             </a:extLst>
           </p:cNvPr>
@@ -15819,7 +15819,7 @@
           <p:cNvPr id="18" name="Picture 17">
             <a:extLst>
               <a:ext uri="{FF2B5EF4-FFF2-40B4-BE49-F238E27FC236}">
-                <a16:creationId xmlns:a16="http://schemas.microsoft.com/office/drawing/2014/main" id="{00CC0C07-1C28-AE30-9C78-12D51F05B835}"/>
+                <a16:creationId xmlns:a16="http://schemas.microsoft.com/office/drawing/2014/main" xmlns="" id="{00CC0C07-1C28-AE30-9C78-12D51F05B835}"/>
               </a:ext>
             </a:extLst>
           </p:cNvPr>
@@ -15829,7 +15829,7 @@
           <p:nvPr/>
         </p:nvPicPr>
         <p:blipFill>
-          <a:blip r:embed="rId2">
+          <a:blip r:embed="rId2" cstate="print">
             <a:extLst>
               <a:ext uri="{28A0092B-C50C-407E-A947-70E740481C1C}">
                 <a14:useLocalDpi xmlns:a14="http://schemas.microsoft.com/office/drawing/2010/main" val="0"/>
@@ -15855,7 +15855,7 @@
           <p:cNvPr id="3" name="Freeform: Shape 2">
             <a:extLst>
               <a:ext uri="{FF2B5EF4-FFF2-40B4-BE49-F238E27FC236}">
-                <a16:creationId xmlns:a16="http://schemas.microsoft.com/office/drawing/2014/main" id="{961E939F-73DC-648A-514F-DC84E310702D}"/>
+                <a16:creationId xmlns:a16="http://schemas.microsoft.com/office/drawing/2014/main" xmlns="" id="{961E939F-73DC-648A-514F-DC84E310702D}"/>
               </a:ext>
             </a:extLst>
           </p:cNvPr>
@@ -16272,7 +16272,7 @@
           <p:cNvPr id="6" name="TextBox 5">
             <a:extLst>
               <a:ext uri="{FF2B5EF4-FFF2-40B4-BE49-F238E27FC236}">
-                <a16:creationId xmlns:a16="http://schemas.microsoft.com/office/drawing/2014/main" id="{FDE443E2-FD83-B395-7E43-B032027BB889}"/>
+                <a16:creationId xmlns:a16="http://schemas.microsoft.com/office/drawing/2014/main" xmlns="" id="{FDE443E2-FD83-B395-7E43-B032027BB889}"/>
               </a:ext>
             </a:extLst>
           </p:cNvPr>
@@ -16346,7 +16346,7 @@
           <p:cNvPr id="10" name="Freeform: Shape 9">
             <a:extLst>
               <a:ext uri="{FF2B5EF4-FFF2-40B4-BE49-F238E27FC236}">
-                <a16:creationId xmlns:a16="http://schemas.microsoft.com/office/drawing/2014/main" id="{AA38F111-7140-4478-5280-4A93DDEF56A3}"/>
+                <a16:creationId xmlns:a16="http://schemas.microsoft.com/office/drawing/2014/main" xmlns="" id="{AA38F111-7140-4478-5280-4A93DDEF56A3}"/>
               </a:ext>
             </a:extLst>
           </p:cNvPr>
@@ -16721,7 +16721,7 @@
           <p:cNvPr id="11" name="Freeform: Shape 10">
             <a:extLst>
               <a:ext uri="{FF2B5EF4-FFF2-40B4-BE49-F238E27FC236}">
-                <a16:creationId xmlns:a16="http://schemas.microsoft.com/office/drawing/2014/main" id="{DD6FD41E-F0CF-37F0-FF14-75A10CAF808B}"/>
+                <a16:creationId xmlns:a16="http://schemas.microsoft.com/office/drawing/2014/main" xmlns="" id="{DD6FD41E-F0CF-37F0-FF14-75A10CAF808B}"/>
               </a:ext>
             </a:extLst>
           </p:cNvPr>
@@ -17042,7 +17042,7 @@
           <p:cNvPr id="13" name="32-Point Star 20">
             <a:extLst>
               <a:ext uri="{FF2B5EF4-FFF2-40B4-BE49-F238E27FC236}">
-                <a16:creationId xmlns:a16="http://schemas.microsoft.com/office/drawing/2014/main" id="{19010F55-E838-EAEF-D678-7D19728FC872}"/>
+                <a16:creationId xmlns:a16="http://schemas.microsoft.com/office/drawing/2014/main" xmlns="" id="{19010F55-E838-EAEF-D678-7D19728FC872}"/>
               </a:ext>
             </a:extLst>
           </p:cNvPr>
@@ -17120,7 +17120,7 @@
           <p:cNvPr id="14" name="Picture 13">
             <a:extLst>
               <a:ext uri="{FF2B5EF4-FFF2-40B4-BE49-F238E27FC236}">
-                <a16:creationId xmlns:a16="http://schemas.microsoft.com/office/drawing/2014/main" id="{DB56B2DA-2348-CC81-8455-8943AE873E7A}"/>
+                <a16:creationId xmlns:a16="http://schemas.microsoft.com/office/drawing/2014/main" xmlns="" id="{DB56B2DA-2348-CC81-8455-8943AE873E7A}"/>
               </a:ext>
             </a:extLst>
           </p:cNvPr>
@@ -17150,7 +17150,7 @@
           <p:cNvPr id="15" name="TextBox 14">
             <a:extLst>
               <a:ext uri="{FF2B5EF4-FFF2-40B4-BE49-F238E27FC236}">
-                <a16:creationId xmlns:a16="http://schemas.microsoft.com/office/drawing/2014/main" id="{285485CF-925A-EF85-4F22-E8DFAC896B02}"/>
+                <a16:creationId xmlns:a16="http://schemas.microsoft.com/office/drawing/2014/main" xmlns="" id="{285485CF-925A-EF85-4F22-E8DFAC896B02}"/>
               </a:ext>
             </a:extLst>
           </p:cNvPr>
@@ -17249,7 +17249,7 @@
           <p:cNvPr id="16" name="TextBox 15">
             <a:extLst>
               <a:ext uri="{FF2B5EF4-FFF2-40B4-BE49-F238E27FC236}">
-                <a16:creationId xmlns:a16="http://schemas.microsoft.com/office/drawing/2014/main" id="{83DFBAA2-D578-066B-D5B4-A25B969F448B}"/>
+                <a16:creationId xmlns:a16="http://schemas.microsoft.com/office/drawing/2014/main" xmlns="" id="{83DFBAA2-D578-066B-D5B4-A25B969F448B}"/>
               </a:ext>
             </a:extLst>
           </p:cNvPr>
@@ -17290,7 +17290,7 @@
           <p:cNvPr id="21" name="TextBox 20">
             <a:extLst>
               <a:ext uri="{FF2B5EF4-FFF2-40B4-BE49-F238E27FC236}">
-                <a16:creationId xmlns:a16="http://schemas.microsoft.com/office/drawing/2014/main" id="{DFFF9AB9-EE2B-0C6E-693E-1992E31DCB00}"/>
+                <a16:creationId xmlns:a16="http://schemas.microsoft.com/office/drawing/2014/main" xmlns="" id="{DFFF9AB9-EE2B-0C6E-693E-1992E31DCB00}"/>
               </a:ext>
             </a:extLst>
           </p:cNvPr>
